--- a/t3final/apresnetacao.pptx
+++ b/t3final/apresnetacao.pptx
@@ -11,6 +11,7 @@
     <p:sldId id="259" r:id="rId5"/>
     <p:sldId id="260" r:id="rId6"/>
     <p:sldId id="261" r:id="rId7"/>
+    <p:sldId id="262" r:id="rId8"/>
   </p:sldIdLst>
   <p:sldSz cx="12192000" cy="6858000"/>
   <p:notesSz cx="6858000" cy="9144000"/>
@@ -109,6 +110,11 @@
       </a:defRPr>
     </a:lvl9pPr>
   </p:defaultTextStyle>
+  <p:extLst>
+    <p:ext uri="{EFAFB233-063F-42B5-8137-9DF3F51BA10A}">
+      <p15:sldGuideLst xmlns:p15="http://schemas.microsoft.com/office/powerpoint/2012/main"/>
+    </p:ext>
+  </p:extLst>
 </p:presentation>
 </file>
 
@@ -4436,6 +4442,271 @@
 </p:sld>
 </file>
 
+<file path=ppt/slides/slide7.xml><?xml version="1.0" encoding="utf-8"?>
+<p:sld xmlns:a="http://schemas.openxmlformats.org/drawingml/2006/main" xmlns:r="http://schemas.openxmlformats.org/officeDocument/2006/relationships" xmlns:p="http://schemas.openxmlformats.org/presentationml/2006/main">
+  <p:cSld>
+    <p:spTree>
+      <p:nvGrpSpPr>
+        <p:cNvPr id="1" name=""/>
+        <p:cNvGrpSpPr/>
+        <p:nvPr/>
+      </p:nvGrpSpPr>
+      <p:grpSpPr>
+        <a:xfrm>
+          <a:off x="0" y="0"/>
+          <a:ext cx="0" cy="0"/>
+          <a:chOff x="0" y="0"/>
+          <a:chExt cx="0" cy="0"/>
+        </a:xfrm>
+      </p:grpSpPr>
+      <p:sp>
+        <p:nvSpPr>
+          <p:cNvPr id="3" name="Espaço Reservado para Conteúdo 2"/>
+          <p:cNvSpPr>
+            <a:spLocks noGrp="1"/>
+          </p:cNvSpPr>
+          <p:nvPr>
+            <p:ph idx="1"/>
+          </p:nvPr>
+        </p:nvSpPr>
+        <p:spPr>
+          <a:xfrm>
+            <a:off x="838200" y="217714"/>
+            <a:ext cx="10515600" cy="5959249"/>
+          </a:xfrm>
+        </p:spPr>
+        <p:txBody>
+          <a:bodyPr/>
+          <a:lstStyle/>
+          <a:p>
+            <a:pPr marL="0" indent="0">
+              <a:buNone/>
+            </a:pPr>
+            <a:r>
+              <a:rPr lang="en-US" dirty="0" err="1"/>
+              <a:t>filedlg</a:t>
+            </a:r>
+            <a:r>
+              <a:rPr lang="en-US" dirty="0"/>
+              <a:t> = </a:t>
+            </a:r>
+            <a:r>
+              <a:rPr lang="en-US" dirty="0" err="1"/>
+              <a:t>filedialog</a:t>
+            </a:r>
+            <a:r>
+              <a:rPr lang="en-US" dirty="0"/>
+              <a:t>("mid")</a:t>
+            </a:r>
+          </a:p>
+          <a:p>
+            <a:pPr marL="0" indent="0">
+              <a:buNone/>
+            </a:pPr>
+            <a:r>
+              <a:rPr lang="en-US" dirty="0"/>
+              <a:t>if </a:t>
+            </a:r>
+            <a:r>
+              <a:rPr lang="en-US" dirty="0" err="1"/>
+              <a:t>filedlg.status</a:t>
+            </a:r>
+            <a:r>
+              <a:rPr lang="en-US" dirty="0"/>
+              <a:t> == '0' then</a:t>
+            </a:r>
+          </a:p>
+          <a:p>
+            <a:pPr marL="0" indent="0">
+              <a:buNone/>
+            </a:pPr>
+            <a:r>
+              <a:rPr lang="en-US" dirty="0"/>
+              <a:t>	local s = </a:t>
+            </a:r>
+            <a:r>
+              <a:rPr lang="en-US" dirty="0" err="1"/>
+              <a:t>os.capture</a:t>
+            </a:r>
+            <a:r>
+              <a:rPr lang="en-US" dirty="0"/>
+              <a:t>("java </a:t>
+            </a:r>
+            <a:r>
+              <a:rPr lang="en-US" dirty="0" err="1"/>
+              <a:t>MidiParser</a:t>
+            </a:r>
+            <a:r>
+              <a:rPr lang="en-US" dirty="0"/>
+              <a:t> \""..</a:t>
+            </a:r>
+            <a:r>
+              <a:rPr lang="en-US" dirty="0" err="1"/>
+              <a:t>filedlg.value</a:t>
+            </a:r>
+            <a:r>
+              <a:rPr lang="en-US" dirty="0"/>
+              <a:t>.."\"");</a:t>
+            </a:r>
+          </a:p>
+          <a:p>
+            <a:pPr marL="0" indent="0">
+              <a:buNone/>
+            </a:pPr>
+            <a:r>
+              <a:rPr lang="en-US" dirty="0"/>
+              <a:t>	</a:t>
+            </a:r>
+            <a:r>
+              <a:rPr lang="en-US" dirty="0" err="1"/>
+              <a:t>str</a:t>
+            </a:r>
+            <a:r>
+              <a:rPr lang="en-US" dirty="0"/>
+              <a:t> = </a:t>
+            </a:r>
+            <a:r>
+              <a:rPr lang="en-US" dirty="0" err="1"/>
+              <a:t>str:format</a:t>
+            </a:r>
+            <a:r>
+              <a:rPr lang="en-US" dirty="0"/>
+              <a:t>(s)</a:t>
+            </a:r>
+          </a:p>
+          <a:p>
+            <a:pPr marL="0" indent="0">
+              <a:buNone/>
+            </a:pPr>
+            <a:r>
+              <a:rPr lang="en-US" dirty="0"/>
+              <a:t>	local file = </a:t>
+            </a:r>
+            <a:r>
+              <a:rPr lang="en-US" dirty="0" err="1"/>
+              <a:t>io.open</a:t>
+            </a:r>
+            <a:r>
+              <a:rPr lang="en-US" dirty="0"/>
+              <a:t>("</a:t>
+            </a:r>
+            <a:r>
+              <a:rPr lang="en-US" dirty="0" err="1"/>
+              <a:t>LeTocador.java",'w</a:t>
+            </a:r>
+            <a:r>
+              <a:rPr lang="en-US" dirty="0"/>
+              <a:t>')</a:t>
+            </a:r>
+          </a:p>
+          <a:p>
+            <a:pPr marL="0" indent="0">
+              <a:buNone/>
+            </a:pPr>
+            <a:r>
+              <a:rPr lang="en-US" dirty="0"/>
+              <a:t>	file:write(str)</a:t>
+            </a:r>
+          </a:p>
+          <a:p>
+            <a:pPr marL="0" indent="0">
+              <a:buNone/>
+            </a:pPr>
+            <a:r>
+              <a:rPr lang="en-US" dirty="0"/>
+              <a:t>	file:close();</a:t>
+            </a:r>
+          </a:p>
+          <a:p>
+            <a:pPr marL="0" indent="0">
+              <a:buNone/>
+            </a:pPr>
+            <a:r>
+              <a:rPr lang="en-US" dirty="0"/>
+              <a:t>	</a:t>
+            </a:r>
+            <a:r>
+              <a:rPr lang="en-US" dirty="0" err="1"/>
+              <a:t>os.execute</a:t>
+            </a:r>
+            <a:r>
+              <a:rPr lang="en-US" dirty="0"/>
+              <a:t>("</a:t>
+            </a:r>
+            <a:r>
+              <a:rPr lang="en-US" dirty="0" err="1"/>
+              <a:t>javac</a:t>
+            </a:r>
+            <a:r>
+              <a:rPr lang="en-US" dirty="0"/>
+              <a:t> -</a:t>
+            </a:r>
+            <a:r>
+              <a:rPr lang="en-US" dirty="0" err="1"/>
+              <a:t>cp</a:t>
+            </a:r>
+            <a:r>
+              <a:rPr lang="en-US" dirty="0"/>
+              <a:t> sintese.jar LeTocador.java")</a:t>
+            </a:r>
+          </a:p>
+          <a:p>
+            <a:pPr marL="0" indent="0">
+              <a:buNone/>
+            </a:pPr>
+            <a:r>
+              <a:rPr lang="en-US" dirty="0"/>
+              <a:t>	</a:t>
+            </a:r>
+            <a:r>
+              <a:rPr lang="en-US" dirty="0" err="1"/>
+              <a:t>os.execute</a:t>
+            </a:r>
+            <a:r>
+              <a:rPr lang="en-US" dirty="0"/>
+              <a:t>("java -</a:t>
+            </a:r>
+            <a:r>
+              <a:rPr lang="en-US" dirty="0" err="1"/>
+              <a:t>cp</a:t>
+            </a:r>
+            <a:r>
+              <a:rPr lang="en-US" dirty="0"/>
+              <a:t> .;sintese.jar </a:t>
+            </a:r>
+            <a:r>
+              <a:rPr lang="en-US" dirty="0" err="1"/>
+              <a:t>LeTocador</a:t>
+            </a:r>
+            <a:r>
+              <a:rPr lang="en-US" dirty="0"/>
+              <a:t>")</a:t>
+            </a:r>
+          </a:p>
+          <a:p>
+            <a:pPr marL="0" indent="0">
+              <a:buNone/>
+            </a:pPr>
+            <a:r>
+              <a:rPr lang="en-US" dirty="0"/>
+              <a:t>end</a:t>
+            </a:r>
+          </a:p>
+        </p:txBody>
+      </p:sp>
+    </p:spTree>
+    <p:extLst>
+      <p:ext uri="{BB962C8B-B14F-4D97-AF65-F5344CB8AC3E}">
+        <p14:creationId xmlns:p14="http://schemas.microsoft.com/office/powerpoint/2010/main" val="3161140856"/>
+      </p:ext>
+    </p:extLst>
+  </p:cSld>
+  <p:clrMapOvr>
+    <a:masterClrMapping/>
+  </p:clrMapOvr>
+</p:sld>
+</file>
+
 <file path=ppt/theme/theme1.xml><?xml version="1.0" encoding="utf-8"?>
 <a:theme xmlns:a="http://schemas.openxmlformats.org/drawingml/2006/main" name="Office Theme">
   <a:themeElements>
